--- a/Slides/Hands_on_with_FPGA's_Module_6.pptx
+++ b/Slides/Hands_on_with_FPGA's_Module_6.pptx
@@ -5,7 +5,7 @@
     <p:sldMasterId id="2147483673" r:id="rId1"/>
   </p:sldMasterIdLst>
   <p:notesMasterIdLst>
-    <p:notesMasterId r:id="rId17"/>
+    <p:notesMasterId r:id="rId18"/>
   </p:notesMasterIdLst>
   <p:sldIdLst>
     <p:sldId id="256" r:id="rId2"/>
@@ -20,9 +20,10 @@
     <p:sldId id="284" r:id="rId11"/>
     <p:sldId id="285" r:id="rId12"/>
     <p:sldId id="286" r:id="rId13"/>
-    <p:sldId id="278" r:id="rId14"/>
-    <p:sldId id="264" r:id="rId15"/>
-    <p:sldId id="265" r:id="rId16"/>
+    <p:sldId id="287" r:id="rId14"/>
+    <p:sldId id="288" r:id="rId15"/>
+    <p:sldId id="264" r:id="rId16"/>
+    <p:sldId id="265" r:id="rId17"/>
   </p:sldIdLst>
   <p:sldSz cx="9144000" cy="5143500" type="screen16x9"/>
   <p:notesSz cx="6858000" cy="9144000"/>
@@ -5339,12 +5340,21 @@
         </p:nvSpPr>
         <p:spPr/>
         <p:txBody>
-          <a:bodyPr/>
-          <a:lstStyle/>
-          <a:p>
-            <a:r>
-              <a:rPr lang="en-US" dirty="0"/>
-              <a:t>FPGA Process</a:t>
+          <a:bodyPr>
+            <a:normAutofit/>
+          </a:bodyPr>
+          <a:lstStyle/>
+          <a:p>
+            <a:r>
+              <a:rPr lang="en-US" sz="2400" dirty="0"/>
+              <a:t>FPGA Backend Process: </a:t>
+            </a:r>
+            <a:br>
+              <a:rPr lang="en-US" sz="2400" dirty="0"/>
+            </a:br>
+            <a:r>
+              <a:rPr lang="en-US" sz="1600" dirty="0"/>
+              <a:t>With great control comes a great amount of work</a:t>
             </a:r>
           </a:p>
         </p:txBody>
@@ -5367,7 +5377,9 @@
         </p:nvSpPr>
         <p:spPr/>
         <p:txBody>
-          <a:bodyPr/>
+          <a:bodyPr>
+            <a:normAutofit fontScale="92500" lnSpcReduction="10000"/>
+          </a:bodyPr>
           <a:lstStyle/>
           <a:p>
             <a:pPr marL="457200" indent="-457200">
@@ -5416,7 +5428,14 @@
             </a:pPr>
             <a:r>
               <a:rPr lang="en-US" dirty="0"/>
-              <a:t>Map</a:t>
+              <a:t>Place: </a:t>
+            </a:r>
+          </a:p>
+          <a:p>
+            <a:pPr lvl="1"/>
+            <a:r>
+              <a:rPr lang="en-US" dirty="0"/>
+              <a:t>Synthesized netlist is placed using complex algorithms</a:t>
             </a:r>
           </a:p>
           <a:p>
@@ -5426,7 +5445,14 @@
             </a:pPr>
             <a:r>
               <a:rPr lang="en-US" dirty="0"/>
-              <a:t>Route</a:t>
+              <a:t>Route:</a:t>
+            </a:r>
+          </a:p>
+          <a:p>
+            <a:pPr lvl="1"/>
+            <a:r>
+              <a:rPr lang="en-US" dirty="0"/>
+              <a:t>Wiring added between placed cells</a:t>
             </a:r>
           </a:p>
           <a:p>
@@ -5439,6 +5465,13 @@
               <a:t>Bitgen</a:t>
             </a:r>
             <a:endParaRPr lang="en-US" dirty="0"/>
+          </a:p>
+          <a:p>
+            <a:pPr lvl="1"/>
+            <a:r>
+              <a:rPr lang="en-US" dirty="0"/>
+              <a:t>Final binary generated that can be programmed into the FPGA</a:t>
+            </a:r>
           </a:p>
         </p:txBody>
       </p:sp>
@@ -5477,7 +5510,7 @@
           <p:cNvPr id="2" name="Title 1">
             <a:extLst>
               <a:ext uri="{FF2B5EF4-FFF2-40B4-BE49-F238E27FC236}">
-                <a16:creationId xmlns:a16="http://schemas.microsoft.com/office/drawing/2014/main" id="{C2CBF02F-2F94-793B-DA26-8DCC1DCE7BD9}"/>
+                <a16:creationId xmlns:a16="http://schemas.microsoft.com/office/drawing/2014/main" id="{BA6B82A1-89FE-8732-442E-17F7FCDEA239}"/>
               </a:ext>
             </a:extLst>
           </p:cNvPr>
@@ -5488,26 +5521,29 @@
             <p:ph type="title"/>
           </p:nvPr>
         </p:nvSpPr>
-        <p:spPr/>
-        <p:txBody>
-          <a:bodyPr>
-            <a:normAutofit fontScale="90000"/>
-          </a:bodyPr>
+        <p:spPr>
+          <a:xfrm>
+            <a:off x="529590" y="49808"/>
+            <a:ext cx="7886700" cy="994172"/>
+          </a:xfrm>
+        </p:spPr>
+        <p:txBody>
+          <a:bodyPr/>
           <a:lstStyle/>
           <a:p>
             <a:r>
               <a:rPr lang="en-US" dirty="0"/>
-              <a:t>Open</a:t>
-            </a:r>
-          </a:p>
-        </p:txBody>
-      </p:sp>
-      <p:sp>
-        <p:nvSpPr>
-          <p:cNvPr id="3" name="Text Placeholder 2">
+              <a:t>Pin Allocation: Not trivial!</a:t>
+            </a:r>
+          </a:p>
+        </p:txBody>
+      </p:sp>
+      <p:sp>
+        <p:nvSpPr>
+          <p:cNvPr id="3" name="Content Placeholder 2">
             <a:extLst>
               <a:ext uri="{FF2B5EF4-FFF2-40B4-BE49-F238E27FC236}">
-                <a16:creationId xmlns:a16="http://schemas.microsoft.com/office/drawing/2014/main" id="{B979CA00-65B7-7548-C6D8-F78CD4A7EE52}"/>
+                <a16:creationId xmlns:a16="http://schemas.microsoft.com/office/drawing/2014/main" id="{F1FC55E4-FBD4-AD7C-BE24-9FF7B8E935B8}"/>
               </a:ext>
             </a:extLst>
           </p:cNvPr>
@@ -5515,22 +5551,257 @@
             <a:spLocks noGrp="1"/>
           </p:cNvSpPr>
           <p:nvPr>
-            <p:ph type="body" idx="1"/>
-          </p:nvPr>
-        </p:nvSpPr>
-        <p:spPr/>
-        <p:txBody>
-          <a:bodyPr/>
-          <a:lstStyle/>
-          <a:p>
-            <a:endParaRPr lang="en-US"/>
+            <p:ph idx="1"/>
+          </p:nvPr>
+        </p:nvSpPr>
+        <p:spPr>
+          <a:xfrm>
+            <a:off x="628650" y="1369219"/>
+            <a:ext cx="4903470" cy="3263504"/>
+          </a:xfrm>
+        </p:spPr>
+        <p:txBody>
+          <a:bodyPr>
+            <a:normAutofit fontScale="62500" lnSpcReduction="20000"/>
+          </a:bodyPr>
+          <a:lstStyle/>
+          <a:p>
+            <a:r>
+              <a:rPr lang="en-US" dirty="0"/>
+              <a:t>Choose IO Bank: </a:t>
+            </a:r>
+          </a:p>
+          <a:p>
+            <a:pPr lvl="1"/>
+            <a:r>
+              <a:rPr lang="en-US" dirty="0"/>
+              <a:t>All pins in a bank share the same IO voltage</a:t>
+            </a:r>
+          </a:p>
+          <a:p>
+            <a:pPr lvl="1"/>
+            <a:r>
+              <a:rPr lang="en-US" dirty="0"/>
+              <a:t>Some banks have faster IO than others</a:t>
+            </a:r>
+          </a:p>
+          <a:p>
+            <a:endParaRPr lang="en-US" dirty="0"/>
+          </a:p>
+          <a:p>
+            <a:r>
+              <a:rPr lang="en-US" dirty="0"/>
+              <a:t>Special purpose pins</a:t>
+            </a:r>
+          </a:p>
+          <a:p>
+            <a:pPr lvl="1"/>
+            <a:r>
+              <a:rPr lang="en-US" dirty="0"/>
+              <a:t>Clock input (Low capacitance)</a:t>
+            </a:r>
+          </a:p>
+          <a:p>
+            <a:pPr lvl="1"/>
+            <a:r>
+              <a:rPr lang="en-US" dirty="0"/>
+              <a:t>Special routing inside the FPGA (e.g. to PLL)</a:t>
+            </a:r>
+          </a:p>
+          <a:p>
+            <a:pPr lvl="1"/>
+            <a:r>
+              <a:rPr lang="en-US" dirty="0"/>
+              <a:t>DDR requires a DQS signal, usually a special purpose pin</a:t>
+            </a:r>
+          </a:p>
+          <a:p>
+            <a:pPr lvl="1"/>
+            <a:endParaRPr lang="en-US" dirty="0"/>
+          </a:p>
+          <a:p>
+            <a:r>
+              <a:rPr lang="en-US" dirty="0"/>
+              <a:t>Differential pair signals</a:t>
+            </a:r>
+          </a:p>
+          <a:p>
+            <a:r>
+              <a:rPr lang="en-US" dirty="0"/>
+              <a:t>IO Specification</a:t>
+            </a:r>
+          </a:p>
+          <a:p>
+            <a:pPr lvl="1"/>
+            <a:r>
+              <a:rPr lang="en-US" dirty="0"/>
+              <a:t>IO Standard: LVCMOS18, LVCMOS33…</a:t>
+            </a:r>
+          </a:p>
+          <a:p>
+            <a:pPr lvl="1"/>
+            <a:r>
+              <a:rPr lang="en-US" dirty="0"/>
+              <a:t>Pull up/Down</a:t>
+            </a:r>
+          </a:p>
+          <a:p>
+            <a:pPr lvl="1"/>
+            <a:r>
+              <a:rPr lang="en-US" dirty="0"/>
+              <a:t>Slew rate</a:t>
+            </a:r>
+          </a:p>
+          <a:p>
+            <a:pPr lvl="1"/>
+            <a:r>
+              <a:rPr lang="en-US" dirty="0"/>
+              <a:t>Open Drain</a:t>
+            </a:r>
+          </a:p>
+          <a:p>
+            <a:r>
+              <a:rPr lang="en-US" dirty="0"/>
+              <a:t>Go through FPGA datasheet in detail!</a:t>
+            </a:r>
+          </a:p>
+        </p:txBody>
+      </p:sp>
+      <p:pic>
+        <p:nvPicPr>
+          <p:cNvPr id="5" name="Picture 4">
+            <a:extLst>
+              <a:ext uri="{FF2B5EF4-FFF2-40B4-BE49-F238E27FC236}">
+                <a16:creationId xmlns:a16="http://schemas.microsoft.com/office/drawing/2014/main" id="{2FDC0E34-AA2E-2E8A-0EAB-AB34B9E2E7F4}"/>
+              </a:ext>
+            </a:extLst>
+          </p:cNvPr>
+          <p:cNvPicPr>
+            <a:picLocks noChangeAspect="1"/>
+          </p:cNvPicPr>
+          <p:nvPr/>
+        </p:nvPicPr>
+        <p:blipFill>
+          <a:blip r:embed="rId2"/>
+          <a:stretch>
+            <a:fillRect/>
+          </a:stretch>
+        </p:blipFill>
+        <p:spPr>
+          <a:xfrm>
+            <a:off x="4827271" y="825199"/>
+            <a:ext cx="1878330" cy="1475987"/>
+          </a:xfrm>
+          <a:prstGeom prst="rect">
+            <a:avLst/>
+          </a:prstGeom>
+        </p:spPr>
+      </p:pic>
+      <p:pic>
+        <p:nvPicPr>
+          <p:cNvPr id="7" name="Picture 6">
+            <a:extLst>
+              <a:ext uri="{FF2B5EF4-FFF2-40B4-BE49-F238E27FC236}">
+                <a16:creationId xmlns:a16="http://schemas.microsoft.com/office/drawing/2014/main" id="{C7C52183-66EF-6317-9F4B-6C7089C1B2C9}"/>
+              </a:ext>
+            </a:extLst>
+          </p:cNvPr>
+          <p:cNvPicPr>
+            <a:picLocks noChangeAspect="1"/>
+          </p:cNvPicPr>
+          <p:nvPr/>
+        </p:nvPicPr>
+        <p:blipFill>
+          <a:blip r:embed="rId3"/>
+          <a:stretch>
+            <a:fillRect/>
+          </a:stretch>
+        </p:blipFill>
+        <p:spPr>
+          <a:xfrm>
+            <a:off x="6729156" y="825198"/>
+            <a:ext cx="2351979" cy="1475987"/>
+          </a:xfrm>
+          <a:prstGeom prst="rect">
+            <a:avLst/>
+          </a:prstGeom>
+        </p:spPr>
+      </p:pic>
+      <p:pic>
+        <p:nvPicPr>
+          <p:cNvPr id="11" name="Graphic 10">
+            <a:extLst>
+              <a:ext uri="{FF2B5EF4-FFF2-40B4-BE49-F238E27FC236}">
+                <a16:creationId xmlns:a16="http://schemas.microsoft.com/office/drawing/2014/main" id="{54B72239-CD6E-FB99-067A-49FEABD84079}"/>
+              </a:ext>
+            </a:extLst>
+          </p:cNvPr>
+          <p:cNvPicPr>
+            <a:picLocks noChangeAspect="1"/>
+          </p:cNvPicPr>
+          <p:nvPr/>
+        </p:nvPicPr>
+        <p:blipFill>
+          <a:blip r:embed="rId4">
+            <a:extLst>
+              <a:ext uri="{96DAC541-7B7A-43D3-8B79-37D633B846F1}">
+                <asvg:svgBlip xmlns:asvg="http://schemas.microsoft.com/office/drawing/2016/SVG/main" r:embed="rId5"/>
+              </a:ext>
+            </a:extLst>
+          </a:blip>
+          <a:stretch>
+            <a:fillRect/>
+          </a:stretch>
+        </p:blipFill>
+        <p:spPr>
+          <a:xfrm>
+            <a:off x="5371009" y="2415302"/>
+            <a:ext cx="3425722" cy="2331720"/>
+          </a:xfrm>
+          <a:prstGeom prst="rect">
+            <a:avLst/>
+          </a:prstGeom>
+        </p:spPr>
+      </p:pic>
+      <p:sp>
+        <p:nvSpPr>
+          <p:cNvPr id="13" name="TextBox 12">
+            <a:extLst>
+              <a:ext uri="{FF2B5EF4-FFF2-40B4-BE49-F238E27FC236}">
+                <a16:creationId xmlns:a16="http://schemas.microsoft.com/office/drawing/2014/main" id="{080440D9-6B6E-5867-10F7-6383C35B6442}"/>
+              </a:ext>
+            </a:extLst>
+          </p:cNvPr>
+          <p:cNvSpPr txBox="1"/>
+          <p:nvPr/>
+        </p:nvSpPr>
+        <p:spPr>
+          <a:xfrm>
+            <a:off x="5502720" y="4687878"/>
+            <a:ext cx="3162300" cy="230832"/>
+          </a:xfrm>
+          <a:prstGeom prst="rect">
+            <a:avLst/>
+          </a:prstGeom>
+          <a:noFill/>
+        </p:spPr>
+        <p:txBody>
+          <a:bodyPr wrap="square">
+            <a:spAutoFit/>
+          </a:bodyPr>
+          <a:lstStyle/>
+          <a:p>
+            <a:r>
+              <a:rPr lang="en-US" sz="900" dirty="0"/>
+              <a:t>https://github.com/nobodywasishere/upduino-pinout</a:t>
+            </a:r>
           </a:p>
         </p:txBody>
       </p:sp>
     </p:spTree>
     <p:extLst>
       <p:ext uri="{BB962C8B-B14F-4D97-AF65-F5344CB8AC3E}">
-        <p14:creationId xmlns:p14="http://schemas.microsoft.com/office/powerpoint/2010/main" val="3337472562"/>
+        <p14:creationId xmlns:p14="http://schemas.microsoft.com/office/powerpoint/2010/main" val="471255709"/>
       </p:ext>
     </p:extLst>
   </p:cSld>
@@ -5541,6 +5812,124 @@
 </file>
 
 <file path=ppt/slides/slide14.xml><?xml version="1.0" encoding="utf-8"?>
+<p:sld xmlns:a="http://schemas.openxmlformats.org/drawingml/2006/main" xmlns:r="http://schemas.openxmlformats.org/officeDocument/2006/relationships" xmlns:p="http://schemas.openxmlformats.org/presentationml/2006/main">
+  <p:cSld>
+    <p:spTree>
+      <p:nvGrpSpPr>
+        <p:cNvPr id="1" name=""/>
+        <p:cNvGrpSpPr/>
+        <p:nvPr/>
+      </p:nvGrpSpPr>
+      <p:grpSpPr>
+        <a:xfrm>
+          <a:off x="0" y="0"/>
+          <a:ext cx="0" cy="0"/>
+          <a:chOff x="0" y="0"/>
+          <a:chExt cx="0" cy="0"/>
+        </a:xfrm>
+      </p:grpSpPr>
+      <p:sp>
+        <p:nvSpPr>
+          <p:cNvPr id="2" name="Title 1">
+            <a:extLst>
+              <a:ext uri="{FF2B5EF4-FFF2-40B4-BE49-F238E27FC236}">
+                <a16:creationId xmlns:a16="http://schemas.microsoft.com/office/drawing/2014/main" id="{1558F4A1-10EA-7A17-AEE4-5236D5E83128}"/>
+              </a:ext>
+            </a:extLst>
+          </p:cNvPr>
+          <p:cNvSpPr>
+            <a:spLocks noGrp="1"/>
+          </p:cNvSpPr>
+          <p:nvPr>
+            <p:ph type="title"/>
+          </p:nvPr>
+        </p:nvSpPr>
+        <p:spPr/>
+        <p:txBody>
+          <a:bodyPr/>
+          <a:lstStyle/>
+          <a:p>
+            <a:r>
+              <a:rPr lang="en-US" dirty="0"/>
+              <a:t>Clock and related Specifications</a:t>
+            </a:r>
+          </a:p>
+        </p:txBody>
+      </p:sp>
+      <p:sp>
+        <p:nvSpPr>
+          <p:cNvPr id="3" name="Content Placeholder 2">
+            <a:extLst>
+              <a:ext uri="{FF2B5EF4-FFF2-40B4-BE49-F238E27FC236}">
+                <a16:creationId xmlns:a16="http://schemas.microsoft.com/office/drawing/2014/main" id="{AE587D56-0C88-FB2C-700C-C0A3E27B6840}"/>
+              </a:ext>
+            </a:extLst>
+          </p:cNvPr>
+          <p:cNvSpPr>
+            <a:spLocks noGrp="1"/>
+          </p:cNvSpPr>
+          <p:nvPr>
+            <p:ph idx="1"/>
+          </p:nvPr>
+        </p:nvSpPr>
+        <p:spPr/>
+        <p:txBody>
+          <a:bodyPr/>
+          <a:lstStyle/>
+          <a:p>
+            <a:r>
+              <a:rPr lang="en-US" dirty="0" err="1"/>
+              <a:t>Whats</a:t>
+            </a:r>
+            <a:r>
+              <a:rPr lang="en-US" dirty="0"/>
+              <a:t> the expected clock rate?</a:t>
+            </a:r>
+          </a:p>
+          <a:p>
+            <a:r>
+              <a:rPr lang="en-US" dirty="0"/>
+              <a:t>How should IO be clocked? </a:t>
+            </a:r>
+          </a:p>
+          <a:p>
+            <a:pPr lvl="1"/>
+            <a:r>
+              <a:rPr lang="en-US" dirty="0"/>
+              <a:t>How much delay does the board have?</a:t>
+            </a:r>
+          </a:p>
+          <a:p>
+            <a:r>
+              <a:rPr lang="en-US" dirty="0"/>
+              <a:t>Special constraints on logic</a:t>
+            </a:r>
+          </a:p>
+          <a:p>
+            <a:endParaRPr lang="en-US" dirty="0"/>
+          </a:p>
+          <a:p>
+            <a:r>
+              <a:rPr lang="en-US" dirty="0"/>
+              <a:t>Can get very complex…</a:t>
+            </a:r>
+          </a:p>
+        </p:txBody>
+      </p:sp>
+    </p:spTree>
+    <p:extLst>
+      <p:ext uri="{BB962C8B-B14F-4D97-AF65-F5344CB8AC3E}">
+        <p14:creationId xmlns:p14="http://schemas.microsoft.com/office/powerpoint/2010/main" val="3458246672"/>
+      </p:ext>
+    </p:extLst>
+  </p:cSld>
+  <p:clrMapOvr>
+    <a:masterClrMapping/>
+  </p:clrMapOvr>
+</p:sld>
+</file>
+
+<file path=ppt/slides/slide15.xml><?xml version="1.0" encoding="utf-8"?>
 <p:sld xmlns:a="http://schemas.openxmlformats.org/drawingml/2006/main" xmlns:r="http://schemas.openxmlformats.org/officeDocument/2006/relationships" xmlns:p="http://schemas.openxmlformats.org/presentationml/2006/main">
   <p:cSld>
     <p:spTree>
@@ -5614,8 +6003,13 @@
             </a:pPr>
             <a:r>
               <a:rPr lang="en-US" sz="1700" dirty="0"/>
-              <a:t>Challenge</a:t>
-            </a:r>
+              <a:t>Challenge: Go through a non-trivial FPGA </a:t>
+            </a:r>
+            <a:r>
+              <a:rPr lang="en-US" sz="1700"/>
+              <a:t>design backend</a:t>
+            </a:r>
+            <a:endParaRPr lang="en-US" sz="1700" dirty="0"/>
           </a:p>
         </p:txBody>
       </p:sp>
@@ -5627,7 +6021,7 @@
 </p:sld>
 </file>
 
-<file path=ppt/slides/slide15.xml><?xml version="1.0" encoding="utf-8"?>
+<file path=ppt/slides/slide16.xml><?xml version="1.0" encoding="utf-8"?>
 <p:sld xmlns:a="http://schemas.openxmlformats.org/drawingml/2006/main" xmlns:r="http://schemas.openxmlformats.org/officeDocument/2006/relationships" xmlns:p="http://schemas.openxmlformats.org/presentationml/2006/main">
   <p:cSld>
     <p:spTree>
